--- a/ppt 16-9/1024.十架不会重于主.pptx
+++ b/ppt 16-9/1024.十架不会重于主.pptx
@@ -129,7 +129,7 @@
           <p:cNvPr id="2" name="标题 1">
             <a:extLst>
               <a:ext uri="{FF2B5EF4-FFF2-40B4-BE49-F238E27FC236}">
-                <a16:creationId xmlns:a16="http://schemas.microsoft.com/office/drawing/2014/main" id="{B13723A4-F1A0-7AD4-CD82-AAE1DA37921F}"/>
+                <a16:creationId xmlns:a16="http://schemas.microsoft.com/office/drawing/2014/main" id="{4D05CDDE-F2DE-C47F-EC9C-CA08179C6A12}"/>
               </a:ext>
             </a:extLst>
           </p:cNvPr>
@@ -166,7 +166,7 @@
           <p:cNvPr id="3" name="副标题 2">
             <a:extLst>
               <a:ext uri="{FF2B5EF4-FFF2-40B4-BE49-F238E27FC236}">
-                <a16:creationId xmlns:a16="http://schemas.microsoft.com/office/drawing/2014/main" id="{8E82C37B-4ACF-5967-0AE6-5FA2EB9CF84A}"/>
+                <a16:creationId xmlns:a16="http://schemas.microsoft.com/office/drawing/2014/main" id="{565843DF-56B9-83C1-EA44-D7668C0EF65D}"/>
               </a:ext>
             </a:extLst>
           </p:cNvPr>
@@ -236,7 +236,7 @@
           <p:cNvPr id="4" name="日期占位符 3">
             <a:extLst>
               <a:ext uri="{FF2B5EF4-FFF2-40B4-BE49-F238E27FC236}">
-                <a16:creationId xmlns:a16="http://schemas.microsoft.com/office/drawing/2014/main" id="{CD76BF9F-FBEA-E64F-A552-4BE7FF08C033}"/>
+                <a16:creationId xmlns:a16="http://schemas.microsoft.com/office/drawing/2014/main" id="{FB53F44C-A1B9-05FB-6C86-CDF8BE8FD39B}"/>
               </a:ext>
             </a:extLst>
           </p:cNvPr>
@@ -252,7 +252,7 @@
           <a:bodyPr/>
           <a:lstStyle/>
           <a:p>
-            <a:fld id="{EB346EEB-B8EC-48B5-882A-0082D6F49180}" type="datetimeFigureOut">
+            <a:fld id="{DE7B0ADA-5D3B-464E-AF7C-92DC44386DBB}" type="datetimeFigureOut">
               <a:rPr lang="zh-CN" altLang="en-US" smtClean="0"/>
               <a:t>2024/3/10</a:t>
             </a:fld>
@@ -265,7 +265,7 @@
           <p:cNvPr id="5" name="页脚占位符 4">
             <a:extLst>
               <a:ext uri="{FF2B5EF4-FFF2-40B4-BE49-F238E27FC236}">
-                <a16:creationId xmlns:a16="http://schemas.microsoft.com/office/drawing/2014/main" id="{A07C616E-6454-CABA-A58E-4EF3D67E172F}"/>
+                <a16:creationId xmlns:a16="http://schemas.microsoft.com/office/drawing/2014/main" id="{AA40CD44-A281-92F4-7A00-C32F088EE079}"/>
               </a:ext>
             </a:extLst>
           </p:cNvPr>
@@ -290,7 +290,7 @@
           <p:cNvPr id="6" name="灯片编号占位符 5">
             <a:extLst>
               <a:ext uri="{FF2B5EF4-FFF2-40B4-BE49-F238E27FC236}">
-                <a16:creationId xmlns:a16="http://schemas.microsoft.com/office/drawing/2014/main" id="{BE3663B2-3817-138A-5F0E-7FF6B5A32234}"/>
+                <a16:creationId xmlns:a16="http://schemas.microsoft.com/office/drawing/2014/main" id="{94637B2B-2896-A224-86E3-2629DDF2ABD3}"/>
               </a:ext>
             </a:extLst>
           </p:cNvPr>
@@ -306,7 +306,7 @@
           <a:bodyPr/>
           <a:lstStyle/>
           <a:p>
-            <a:fld id="{2D471791-514B-4DA1-925B-97E1A6E474BB}" type="slidenum">
+            <a:fld id="{68AFAAD4-56FA-44F4-AB4A-D31901A947D1}" type="slidenum">
               <a:rPr lang="zh-CN" altLang="en-US" smtClean="0"/>
               <a:t>‹#›</a:t>
             </a:fld>
@@ -317,7 +317,7 @@
     </p:spTree>
     <p:extLst>
       <p:ext uri="{BB962C8B-B14F-4D97-AF65-F5344CB8AC3E}">
-        <p14:creationId xmlns:p14="http://schemas.microsoft.com/office/powerpoint/2010/main" val="2907446096"/>
+        <p14:creationId xmlns:p14="http://schemas.microsoft.com/office/powerpoint/2010/main" val="192310746"/>
       </p:ext>
     </p:extLst>
   </p:cSld>
@@ -349,7 +349,7 @@
           <p:cNvPr id="2" name="标题 1">
             <a:extLst>
               <a:ext uri="{FF2B5EF4-FFF2-40B4-BE49-F238E27FC236}">
-                <a16:creationId xmlns:a16="http://schemas.microsoft.com/office/drawing/2014/main" id="{09E5E81A-AB4A-BE9C-3DA9-D7ED9CA7C888}"/>
+                <a16:creationId xmlns:a16="http://schemas.microsoft.com/office/drawing/2014/main" id="{91561BA7-1C0C-D766-9185-69574B0AC2FF}"/>
               </a:ext>
             </a:extLst>
           </p:cNvPr>
@@ -377,7 +377,7 @@
           <p:cNvPr id="3" name="竖排文字占位符 2">
             <a:extLst>
               <a:ext uri="{FF2B5EF4-FFF2-40B4-BE49-F238E27FC236}">
-                <a16:creationId xmlns:a16="http://schemas.microsoft.com/office/drawing/2014/main" id="{467F928C-0CE0-81B1-B113-CBC1B8C69CE2}"/>
+                <a16:creationId xmlns:a16="http://schemas.microsoft.com/office/drawing/2014/main" id="{8496F146-0D24-2A2F-440D-2434AB2026A1}"/>
               </a:ext>
             </a:extLst>
           </p:cNvPr>
@@ -434,7 +434,7 @@
           <p:cNvPr id="4" name="日期占位符 3">
             <a:extLst>
               <a:ext uri="{FF2B5EF4-FFF2-40B4-BE49-F238E27FC236}">
-                <a16:creationId xmlns:a16="http://schemas.microsoft.com/office/drawing/2014/main" id="{EB8E8411-7DA3-BA1E-1229-56913399D2BF}"/>
+                <a16:creationId xmlns:a16="http://schemas.microsoft.com/office/drawing/2014/main" id="{9CD6E865-0A35-25D7-C67C-712A161A4CAC}"/>
               </a:ext>
             </a:extLst>
           </p:cNvPr>
@@ -450,7 +450,7 @@
           <a:bodyPr/>
           <a:lstStyle/>
           <a:p>
-            <a:fld id="{EB346EEB-B8EC-48B5-882A-0082D6F49180}" type="datetimeFigureOut">
+            <a:fld id="{DE7B0ADA-5D3B-464E-AF7C-92DC44386DBB}" type="datetimeFigureOut">
               <a:rPr lang="zh-CN" altLang="en-US" smtClean="0"/>
               <a:t>2024/3/10</a:t>
             </a:fld>
@@ -463,7 +463,7 @@
           <p:cNvPr id="5" name="页脚占位符 4">
             <a:extLst>
               <a:ext uri="{FF2B5EF4-FFF2-40B4-BE49-F238E27FC236}">
-                <a16:creationId xmlns:a16="http://schemas.microsoft.com/office/drawing/2014/main" id="{34E87858-747F-EACE-BC55-BBD8A854B21E}"/>
+                <a16:creationId xmlns:a16="http://schemas.microsoft.com/office/drawing/2014/main" id="{6A1E2887-1154-F758-2925-15EC48600601}"/>
               </a:ext>
             </a:extLst>
           </p:cNvPr>
@@ -488,7 +488,7 @@
           <p:cNvPr id="6" name="灯片编号占位符 5">
             <a:extLst>
               <a:ext uri="{FF2B5EF4-FFF2-40B4-BE49-F238E27FC236}">
-                <a16:creationId xmlns:a16="http://schemas.microsoft.com/office/drawing/2014/main" id="{6BED6538-A6B8-955E-140B-8D517C4FFD91}"/>
+                <a16:creationId xmlns:a16="http://schemas.microsoft.com/office/drawing/2014/main" id="{EB46EBDF-241C-219D-C34E-CF8C6954DAB1}"/>
               </a:ext>
             </a:extLst>
           </p:cNvPr>
@@ -504,7 +504,7 @@
           <a:bodyPr/>
           <a:lstStyle/>
           <a:p>
-            <a:fld id="{2D471791-514B-4DA1-925B-97E1A6E474BB}" type="slidenum">
+            <a:fld id="{68AFAAD4-56FA-44F4-AB4A-D31901A947D1}" type="slidenum">
               <a:rPr lang="zh-CN" altLang="en-US" smtClean="0"/>
               <a:t>‹#›</a:t>
             </a:fld>
@@ -515,7 +515,7 @@
     </p:spTree>
     <p:extLst>
       <p:ext uri="{BB962C8B-B14F-4D97-AF65-F5344CB8AC3E}">
-        <p14:creationId xmlns:p14="http://schemas.microsoft.com/office/powerpoint/2010/main" val="4128204580"/>
+        <p14:creationId xmlns:p14="http://schemas.microsoft.com/office/powerpoint/2010/main" val="3239293116"/>
       </p:ext>
     </p:extLst>
   </p:cSld>
@@ -547,7 +547,7 @@
           <p:cNvPr id="2" name="竖排标题 1">
             <a:extLst>
               <a:ext uri="{FF2B5EF4-FFF2-40B4-BE49-F238E27FC236}">
-                <a16:creationId xmlns:a16="http://schemas.microsoft.com/office/drawing/2014/main" id="{AA2A63B4-7504-7B70-02A0-9C1AE168CC03}"/>
+                <a16:creationId xmlns:a16="http://schemas.microsoft.com/office/drawing/2014/main" id="{BC181F4C-C38F-3BE2-80AB-DBBBC4BFA728}"/>
               </a:ext>
             </a:extLst>
           </p:cNvPr>
@@ -580,7 +580,7 @@
           <p:cNvPr id="3" name="竖排文字占位符 2">
             <a:extLst>
               <a:ext uri="{FF2B5EF4-FFF2-40B4-BE49-F238E27FC236}">
-                <a16:creationId xmlns:a16="http://schemas.microsoft.com/office/drawing/2014/main" id="{FA970811-9507-C2CD-34EE-87E32DA0FEBB}"/>
+                <a16:creationId xmlns:a16="http://schemas.microsoft.com/office/drawing/2014/main" id="{EB8F79D0-701C-6F8C-F9E9-449958A28900}"/>
               </a:ext>
             </a:extLst>
           </p:cNvPr>
@@ -642,7 +642,7 @@
           <p:cNvPr id="4" name="日期占位符 3">
             <a:extLst>
               <a:ext uri="{FF2B5EF4-FFF2-40B4-BE49-F238E27FC236}">
-                <a16:creationId xmlns:a16="http://schemas.microsoft.com/office/drawing/2014/main" id="{C7705172-CC1C-E2A8-1CD4-B18B7DA71B27}"/>
+                <a16:creationId xmlns:a16="http://schemas.microsoft.com/office/drawing/2014/main" id="{AF8364D9-E7EA-FD05-AF81-3A34AB9F4485}"/>
               </a:ext>
             </a:extLst>
           </p:cNvPr>
@@ -658,7 +658,7 @@
           <a:bodyPr/>
           <a:lstStyle/>
           <a:p>
-            <a:fld id="{EB346EEB-B8EC-48B5-882A-0082D6F49180}" type="datetimeFigureOut">
+            <a:fld id="{DE7B0ADA-5D3B-464E-AF7C-92DC44386DBB}" type="datetimeFigureOut">
               <a:rPr lang="zh-CN" altLang="en-US" smtClean="0"/>
               <a:t>2024/3/10</a:t>
             </a:fld>
@@ -671,7 +671,7 @@
           <p:cNvPr id="5" name="页脚占位符 4">
             <a:extLst>
               <a:ext uri="{FF2B5EF4-FFF2-40B4-BE49-F238E27FC236}">
-                <a16:creationId xmlns:a16="http://schemas.microsoft.com/office/drawing/2014/main" id="{886B10CF-0F15-03E4-072E-FFBC38B6CBB9}"/>
+                <a16:creationId xmlns:a16="http://schemas.microsoft.com/office/drawing/2014/main" id="{884F8962-D7CC-CCF1-6021-5433611B4FC7}"/>
               </a:ext>
             </a:extLst>
           </p:cNvPr>
@@ -696,7 +696,7 @@
           <p:cNvPr id="6" name="灯片编号占位符 5">
             <a:extLst>
               <a:ext uri="{FF2B5EF4-FFF2-40B4-BE49-F238E27FC236}">
-                <a16:creationId xmlns:a16="http://schemas.microsoft.com/office/drawing/2014/main" id="{5C4642B8-835B-EF34-C639-10810B085EC0}"/>
+                <a16:creationId xmlns:a16="http://schemas.microsoft.com/office/drawing/2014/main" id="{2F4A2655-40C0-AEEB-B052-E2876198125B}"/>
               </a:ext>
             </a:extLst>
           </p:cNvPr>
@@ -712,7 +712,7 @@
           <a:bodyPr/>
           <a:lstStyle/>
           <a:p>
-            <a:fld id="{2D471791-514B-4DA1-925B-97E1A6E474BB}" type="slidenum">
+            <a:fld id="{68AFAAD4-56FA-44F4-AB4A-D31901A947D1}" type="slidenum">
               <a:rPr lang="zh-CN" altLang="en-US" smtClean="0"/>
               <a:t>‹#›</a:t>
             </a:fld>
@@ -723,7 +723,7 @@
     </p:spTree>
     <p:extLst>
       <p:ext uri="{BB962C8B-B14F-4D97-AF65-F5344CB8AC3E}">
-        <p14:creationId xmlns:p14="http://schemas.microsoft.com/office/powerpoint/2010/main" val="3047863120"/>
+        <p14:creationId xmlns:p14="http://schemas.microsoft.com/office/powerpoint/2010/main" val="414421332"/>
       </p:ext>
     </p:extLst>
   </p:cSld>
@@ -755,7 +755,7 @@
           <p:cNvPr id="2" name="标题 1">
             <a:extLst>
               <a:ext uri="{FF2B5EF4-FFF2-40B4-BE49-F238E27FC236}">
-                <a16:creationId xmlns:a16="http://schemas.microsoft.com/office/drawing/2014/main" id="{5E6AE7BE-BDF9-966D-3A80-EFF39244EB42}"/>
+                <a16:creationId xmlns:a16="http://schemas.microsoft.com/office/drawing/2014/main" id="{778077B3-2551-2284-5D33-23E27F92ACFC}"/>
               </a:ext>
             </a:extLst>
           </p:cNvPr>
@@ -783,7 +783,7 @@
           <p:cNvPr id="3" name="内容占位符 2">
             <a:extLst>
               <a:ext uri="{FF2B5EF4-FFF2-40B4-BE49-F238E27FC236}">
-                <a16:creationId xmlns:a16="http://schemas.microsoft.com/office/drawing/2014/main" id="{4C1FF32B-3C6F-3BF1-91BC-666FD0C8926E}"/>
+                <a16:creationId xmlns:a16="http://schemas.microsoft.com/office/drawing/2014/main" id="{0AF58D51-F7BC-F8B2-276A-17343815A6A3}"/>
               </a:ext>
             </a:extLst>
           </p:cNvPr>
@@ -840,7 +840,7 @@
           <p:cNvPr id="4" name="日期占位符 3">
             <a:extLst>
               <a:ext uri="{FF2B5EF4-FFF2-40B4-BE49-F238E27FC236}">
-                <a16:creationId xmlns:a16="http://schemas.microsoft.com/office/drawing/2014/main" id="{7B283D56-CD94-4586-2CC3-9C4DB8663879}"/>
+                <a16:creationId xmlns:a16="http://schemas.microsoft.com/office/drawing/2014/main" id="{AE730AF6-764E-053B-F3A7-4F42ACDFED01}"/>
               </a:ext>
             </a:extLst>
           </p:cNvPr>
@@ -856,7 +856,7 @@
           <a:bodyPr/>
           <a:lstStyle/>
           <a:p>
-            <a:fld id="{EB346EEB-B8EC-48B5-882A-0082D6F49180}" type="datetimeFigureOut">
+            <a:fld id="{DE7B0ADA-5D3B-464E-AF7C-92DC44386DBB}" type="datetimeFigureOut">
               <a:rPr lang="zh-CN" altLang="en-US" smtClean="0"/>
               <a:t>2024/3/10</a:t>
             </a:fld>
@@ -869,7 +869,7 @@
           <p:cNvPr id="5" name="页脚占位符 4">
             <a:extLst>
               <a:ext uri="{FF2B5EF4-FFF2-40B4-BE49-F238E27FC236}">
-                <a16:creationId xmlns:a16="http://schemas.microsoft.com/office/drawing/2014/main" id="{C661A2AF-EECB-A7D3-5FC6-7732EB348E62}"/>
+                <a16:creationId xmlns:a16="http://schemas.microsoft.com/office/drawing/2014/main" id="{639EA696-8F77-B2F4-25A4-CDADDA1BEF71}"/>
               </a:ext>
             </a:extLst>
           </p:cNvPr>
@@ -894,7 +894,7 @@
           <p:cNvPr id="6" name="灯片编号占位符 5">
             <a:extLst>
               <a:ext uri="{FF2B5EF4-FFF2-40B4-BE49-F238E27FC236}">
-                <a16:creationId xmlns:a16="http://schemas.microsoft.com/office/drawing/2014/main" id="{DA47B0D5-D1C2-EF22-F549-469032E267E9}"/>
+                <a16:creationId xmlns:a16="http://schemas.microsoft.com/office/drawing/2014/main" id="{6BAC4268-262C-A347-7323-8D69A3993437}"/>
               </a:ext>
             </a:extLst>
           </p:cNvPr>
@@ -910,7 +910,7 @@
           <a:bodyPr/>
           <a:lstStyle/>
           <a:p>
-            <a:fld id="{2D471791-514B-4DA1-925B-97E1A6E474BB}" type="slidenum">
+            <a:fld id="{68AFAAD4-56FA-44F4-AB4A-D31901A947D1}" type="slidenum">
               <a:rPr lang="zh-CN" altLang="en-US" smtClean="0"/>
               <a:t>‹#›</a:t>
             </a:fld>
@@ -921,7 +921,7 @@
     </p:spTree>
     <p:extLst>
       <p:ext uri="{BB962C8B-B14F-4D97-AF65-F5344CB8AC3E}">
-        <p14:creationId xmlns:p14="http://schemas.microsoft.com/office/powerpoint/2010/main" val="4196260305"/>
+        <p14:creationId xmlns:p14="http://schemas.microsoft.com/office/powerpoint/2010/main" val="1100768197"/>
       </p:ext>
     </p:extLst>
   </p:cSld>
@@ -953,7 +953,7 @@
           <p:cNvPr id="2" name="标题 1">
             <a:extLst>
               <a:ext uri="{FF2B5EF4-FFF2-40B4-BE49-F238E27FC236}">
-                <a16:creationId xmlns:a16="http://schemas.microsoft.com/office/drawing/2014/main" id="{A4391A43-E19D-1C30-3B79-6B033D057161}"/>
+                <a16:creationId xmlns:a16="http://schemas.microsoft.com/office/drawing/2014/main" id="{151DC77E-A2C6-9170-92A0-7D66B20A9FF3}"/>
               </a:ext>
             </a:extLst>
           </p:cNvPr>
@@ -990,7 +990,7 @@
           <p:cNvPr id="3" name="文本占位符 2">
             <a:extLst>
               <a:ext uri="{FF2B5EF4-FFF2-40B4-BE49-F238E27FC236}">
-                <a16:creationId xmlns:a16="http://schemas.microsoft.com/office/drawing/2014/main" id="{72D43C68-B500-EAD7-AC85-0A40BD36AE78}"/>
+                <a16:creationId xmlns:a16="http://schemas.microsoft.com/office/drawing/2014/main" id="{C7982D49-4184-07F5-FEAB-6013C373D4EE}"/>
               </a:ext>
             </a:extLst>
           </p:cNvPr>
@@ -1115,7 +1115,7 @@
           <p:cNvPr id="4" name="日期占位符 3">
             <a:extLst>
               <a:ext uri="{FF2B5EF4-FFF2-40B4-BE49-F238E27FC236}">
-                <a16:creationId xmlns:a16="http://schemas.microsoft.com/office/drawing/2014/main" id="{DCC292D4-B961-929F-EB9E-11AF0F2A5176}"/>
+                <a16:creationId xmlns:a16="http://schemas.microsoft.com/office/drawing/2014/main" id="{F9B51F00-CD90-59A0-4CD9-24A78687DD16}"/>
               </a:ext>
             </a:extLst>
           </p:cNvPr>
@@ -1131,7 +1131,7 @@
           <a:bodyPr/>
           <a:lstStyle/>
           <a:p>
-            <a:fld id="{EB346EEB-B8EC-48B5-882A-0082D6F49180}" type="datetimeFigureOut">
+            <a:fld id="{DE7B0ADA-5D3B-464E-AF7C-92DC44386DBB}" type="datetimeFigureOut">
               <a:rPr lang="zh-CN" altLang="en-US" smtClean="0"/>
               <a:t>2024/3/10</a:t>
             </a:fld>
@@ -1144,7 +1144,7 @@
           <p:cNvPr id="5" name="页脚占位符 4">
             <a:extLst>
               <a:ext uri="{FF2B5EF4-FFF2-40B4-BE49-F238E27FC236}">
-                <a16:creationId xmlns:a16="http://schemas.microsoft.com/office/drawing/2014/main" id="{8968F3B4-45AF-3C25-DD95-D687382FDD37}"/>
+                <a16:creationId xmlns:a16="http://schemas.microsoft.com/office/drawing/2014/main" id="{A56D68C2-2875-E5BF-4798-E4693E4514C1}"/>
               </a:ext>
             </a:extLst>
           </p:cNvPr>
@@ -1169,7 +1169,7 @@
           <p:cNvPr id="6" name="灯片编号占位符 5">
             <a:extLst>
               <a:ext uri="{FF2B5EF4-FFF2-40B4-BE49-F238E27FC236}">
-                <a16:creationId xmlns:a16="http://schemas.microsoft.com/office/drawing/2014/main" id="{316DDF72-C7E6-ED3D-642D-5A247BA6A064}"/>
+                <a16:creationId xmlns:a16="http://schemas.microsoft.com/office/drawing/2014/main" id="{84347A29-D9D1-1AA7-0E1E-B923501AF4BB}"/>
               </a:ext>
             </a:extLst>
           </p:cNvPr>
@@ -1185,7 +1185,7 @@
           <a:bodyPr/>
           <a:lstStyle/>
           <a:p>
-            <a:fld id="{2D471791-514B-4DA1-925B-97E1A6E474BB}" type="slidenum">
+            <a:fld id="{68AFAAD4-56FA-44F4-AB4A-D31901A947D1}" type="slidenum">
               <a:rPr lang="zh-CN" altLang="en-US" smtClean="0"/>
               <a:t>‹#›</a:t>
             </a:fld>
@@ -1196,7 +1196,7 @@
     </p:spTree>
     <p:extLst>
       <p:ext uri="{BB962C8B-B14F-4D97-AF65-F5344CB8AC3E}">
-        <p14:creationId xmlns:p14="http://schemas.microsoft.com/office/powerpoint/2010/main" val="1649030957"/>
+        <p14:creationId xmlns:p14="http://schemas.microsoft.com/office/powerpoint/2010/main" val="4045623550"/>
       </p:ext>
     </p:extLst>
   </p:cSld>
@@ -1228,7 +1228,7 @@
           <p:cNvPr id="2" name="标题 1">
             <a:extLst>
               <a:ext uri="{FF2B5EF4-FFF2-40B4-BE49-F238E27FC236}">
-                <a16:creationId xmlns:a16="http://schemas.microsoft.com/office/drawing/2014/main" id="{5A870099-677E-08DD-0D18-C65B296DDD7D}"/>
+                <a16:creationId xmlns:a16="http://schemas.microsoft.com/office/drawing/2014/main" id="{D7EA06DC-9432-4921-1191-FD20C0F11574}"/>
               </a:ext>
             </a:extLst>
           </p:cNvPr>
@@ -1256,7 +1256,7 @@
           <p:cNvPr id="3" name="内容占位符 2">
             <a:extLst>
               <a:ext uri="{FF2B5EF4-FFF2-40B4-BE49-F238E27FC236}">
-                <a16:creationId xmlns:a16="http://schemas.microsoft.com/office/drawing/2014/main" id="{7E49DBD5-59D6-572B-09E9-482CFB4366AB}"/>
+                <a16:creationId xmlns:a16="http://schemas.microsoft.com/office/drawing/2014/main" id="{96A9946F-E8A2-A04A-0B3A-C9643315CA31}"/>
               </a:ext>
             </a:extLst>
           </p:cNvPr>
@@ -1318,7 +1318,7 @@
           <p:cNvPr id="4" name="内容占位符 3">
             <a:extLst>
               <a:ext uri="{FF2B5EF4-FFF2-40B4-BE49-F238E27FC236}">
-                <a16:creationId xmlns:a16="http://schemas.microsoft.com/office/drawing/2014/main" id="{29F094B5-EC21-5964-C5FC-AB3AE6D14714}"/>
+                <a16:creationId xmlns:a16="http://schemas.microsoft.com/office/drawing/2014/main" id="{EF737C67-EFEF-C952-B488-2D728CCC2725}"/>
               </a:ext>
             </a:extLst>
           </p:cNvPr>
@@ -1380,7 +1380,7 @@
           <p:cNvPr id="5" name="日期占位符 4">
             <a:extLst>
               <a:ext uri="{FF2B5EF4-FFF2-40B4-BE49-F238E27FC236}">
-                <a16:creationId xmlns:a16="http://schemas.microsoft.com/office/drawing/2014/main" id="{ACCA7A51-798F-4158-A4DC-1CD17EF8E17D}"/>
+                <a16:creationId xmlns:a16="http://schemas.microsoft.com/office/drawing/2014/main" id="{90153EBA-ABA3-195B-A909-71D039949507}"/>
               </a:ext>
             </a:extLst>
           </p:cNvPr>
@@ -1396,7 +1396,7 @@
           <a:bodyPr/>
           <a:lstStyle/>
           <a:p>
-            <a:fld id="{EB346EEB-B8EC-48B5-882A-0082D6F49180}" type="datetimeFigureOut">
+            <a:fld id="{DE7B0ADA-5D3B-464E-AF7C-92DC44386DBB}" type="datetimeFigureOut">
               <a:rPr lang="zh-CN" altLang="en-US" smtClean="0"/>
               <a:t>2024/3/10</a:t>
             </a:fld>
@@ -1409,7 +1409,7 @@
           <p:cNvPr id="6" name="页脚占位符 5">
             <a:extLst>
               <a:ext uri="{FF2B5EF4-FFF2-40B4-BE49-F238E27FC236}">
-                <a16:creationId xmlns:a16="http://schemas.microsoft.com/office/drawing/2014/main" id="{3FC55B8A-184F-EAF1-B86E-24EC88FF3FFC}"/>
+                <a16:creationId xmlns:a16="http://schemas.microsoft.com/office/drawing/2014/main" id="{309CD997-3191-88FD-1332-2FCB09704646}"/>
               </a:ext>
             </a:extLst>
           </p:cNvPr>
@@ -1434,7 +1434,7 @@
           <p:cNvPr id="7" name="灯片编号占位符 6">
             <a:extLst>
               <a:ext uri="{FF2B5EF4-FFF2-40B4-BE49-F238E27FC236}">
-                <a16:creationId xmlns:a16="http://schemas.microsoft.com/office/drawing/2014/main" id="{38FDD7FB-8E68-838A-A6D7-DB79BE7D6672}"/>
+                <a16:creationId xmlns:a16="http://schemas.microsoft.com/office/drawing/2014/main" id="{6CDFBFA3-1F4E-5FCA-70B1-266D37617183}"/>
               </a:ext>
             </a:extLst>
           </p:cNvPr>
@@ -1450,7 +1450,7 @@
           <a:bodyPr/>
           <a:lstStyle/>
           <a:p>
-            <a:fld id="{2D471791-514B-4DA1-925B-97E1A6E474BB}" type="slidenum">
+            <a:fld id="{68AFAAD4-56FA-44F4-AB4A-D31901A947D1}" type="slidenum">
               <a:rPr lang="zh-CN" altLang="en-US" smtClean="0"/>
               <a:t>‹#›</a:t>
             </a:fld>
@@ -1461,7 +1461,7 @@
     </p:spTree>
     <p:extLst>
       <p:ext uri="{BB962C8B-B14F-4D97-AF65-F5344CB8AC3E}">
-        <p14:creationId xmlns:p14="http://schemas.microsoft.com/office/powerpoint/2010/main" val="2350823576"/>
+        <p14:creationId xmlns:p14="http://schemas.microsoft.com/office/powerpoint/2010/main" val="278014314"/>
       </p:ext>
     </p:extLst>
   </p:cSld>
@@ -1493,7 +1493,7 @@
           <p:cNvPr id="2" name="标题 1">
             <a:extLst>
               <a:ext uri="{FF2B5EF4-FFF2-40B4-BE49-F238E27FC236}">
-                <a16:creationId xmlns:a16="http://schemas.microsoft.com/office/drawing/2014/main" id="{94E53A69-CFA4-5E04-C886-9B4F6D9B20FA}"/>
+                <a16:creationId xmlns:a16="http://schemas.microsoft.com/office/drawing/2014/main" id="{3BD86CD4-2A51-E652-BF11-4A8473487BB9}"/>
               </a:ext>
             </a:extLst>
           </p:cNvPr>
@@ -1526,7 +1526,7 @@
           <p:cNvPr id="3" name="文本占位符 2">
             <a:extLst>
               <a:ext uri="{FF2B5EF4-FFF2-40B4-BE49-F238E27FC236}">
-                <a16:creationId xmlns:a16="http://schemas.microsoft.com/office/drawing/2014/main" id="{69926F27-A558-175B-42D6-4B12EB8098F6}"/>
+                <a16:creationId xmlns:a16="http://schemas.microsoft.com/office/drawing/2014/main" id="{C92DBC39-1143-5B4D-AF1E-1D0D2E143F53}"/>
               </a:ext>
             </a:extLst>
           </p:cNvPr>
@@ -1597,7 +1597,7 @@
           <p:cNvPr id="4" name="内容占位符 3">
             <a:extLst>
               <a:ext uri="{FF2B5EF4-FFF2-40B4-BE49-F238E27FC236}">
-                <a16:creationId xmlns:a16="http://schemas.microsoft.com/office/drawing/2014/main" id="{B257EA54-9C50-78E6-50D0-9290423FEEB5}"/>
+                <a16:creationId xmlns:a16="http://schemas.microsoft.com/office/drawing/2014/main" id="{1A93CB41-6742-6D3E-9916-B5567658674F}"/>
               </a:ext>
             </a:extLst>
           </p:cNvPr>
@@ -1659,7 +1659,7 @@
           <p:cNvPr id="5" name="文本占位符 4">
             <a:extLst>
               <a:ext uri="{FF2B5EF4-FFF2-40B4-BE49-F238E27FC236}">
-                <a16:creationId xmlns:a16="http://schemas.microsoft.com/office/drawing/2014/main" id="{A0440C0B-20CD-F787-AD48-8A78FC3683CC}"/>
+                <a16:creationId xmlns:a16="http://schemas.microsoft.com/office/drawing/2014/main" id="{1EF4EC9C-B227-BE67-1B1C-E73CA80C9D74}"/>
               </a:ext>
             </a:extLst>
           </p:cNvPr>
@@ -1730,7 +1730,7 @@
           <p:cNvPr id="6" name="内容占位符 5">
             <a:extLst>
               <a:ext uri="{FF2B5EF4-FFF2-40B4-BE49-F238E27FC236}">
-                <a16:creationId xmlns:a16="http://schemas.microsoft.com/office/drawing/2014/main" id="{A5CC1D91-2EFE-2CA3-C25A-6B99EA07802C}"/>
+                <a16:creationId xmlns:a16="http://schemas.microsoft.com/office/drawing/2014/main" id="{93A2CE3E-C66B-0E97-1948-60B58B3CB59C}"/>
               </a:ext>
             </a:extLst>
           </p:cNvPr>
@@ -1792,7 +1792,7 @@
           <p:cNvPr id="7" name="日期占位符 6">
             <a:extLst>
               <a:ext uri="{FF2B5EF4-FFF2-40B4-BE49-F238E27FC236}">
-                <a16:creationId xmlns:a16="http://schemas.microsoft.com/office/drawing/2014/main" id="{5312D82F-478D-C4CA-3D5F-23696BD3F411}"/>
+                <a16:creationId xmlns:a16="http://schemas.microsoft.com/office/drawing/2014/main" id="{8F0E468C-D9B0-B46D-C550-D2447F2495F5}"/>
               </a:ext>
             </a:extLst>
           </p:cNvPr>
@@ -1808,7 +1808,7 @@
           <a:bodyPr/>
           <a:lstStyle/>
           <a:p>
-            <a:fld id="{EB346EEB-B8EC-48B5-882A-0082D6F49180}" type="datetimeFigureOut">
+            <a:fld id="{DE7B0ADA-5D3B-464E-AF7C-92DC44386DBB}" type="datetimeFigureOut">
               <a:rPr lang="zh-CN" altLang="en-US" smtClean="0"/>
               <a:t>2024/3/10</a:t>
             </a:fld>
@@ -1821,7 +1821,7 @@
           <p:cNvPr id="8" name="页脚占位符 7">
             <a:extLst>
               <a:ext uri="{FF2B5EF4-FFF2-40B4-BE49-F238E27FC236}">
-                <a16:creationId xmlns:a16="http://schemas.microsoft.com/office/drawing/2014/main" id="{1CB77A15-372F-54A1-8D77-B8ABDAEA9D6A}"/>
+                <a16:creationId xmlns:a16="http://schemas.microsoft.com/office/drawing/2014/main" id="{DCA9F027-3234-9E98-D230-6F0A60120874}"/>
               </a:ext>
             </a:extLst>
           </p:cNvPr>
@@ -1846,7 +1846,7 @@
           <p:cNvPr id="9" name="灯片编号占位符 8">
             <a:extLst>
               <a:ext uri="{FF2B5EF4-FFF2-40B4-BE49-F238E27FC236}">
-                <a16:creationId xmlns:a16="http://schemas.microsoft.com/office/drawing/2014/main" id="{0E3A332C-7007-F852-C039-F34968244CB0}"/>
+                <a16:creationId xmlns:a16="http://schemas.microsoft.com/office/drawing/2014/main" id="{77F28588-67E9-55F8-92E0-8AE04D9D9D7C}"/>
               </a:ext>
             </a:extLst>
           </p:cNvPr>
@@ -1862,7 +1862,7 @@
           <a:bodyPr/>
           <a:lstStyle/>
           <a:p>
-            <a:fld id="{2D471791-514B-4DA1-925B-97E1A6E474BB}" type="slidenum">
+            <a:fld id="{68AFAAD4-56FA-44F4-AB4A-D31901A947D1}" type="slidenum">
               <a:rPr lang="zh-CN" altLang="en-US" smtClean="0"/>
               <a:t>‹#›</a:t>
             </a:fld>
@@ -1873,7 +1873,7 @@
     </p:spTree>
     <p:extLst>
       <p:ext uri="{BB962C8B-B14F-4D97-AF65-F5344CB8AC3E}">
-        <p14:creationId xmlns:p14="http://schemas.microsoft.com/office/powerpoint/2010/main" val="2112058864"/>
+        <p14:creationId xmlns:p14="http://schemas.microsoft.com/office/powerpoint/2010/main" val="979408760"/>
       </p:ext>
     </p:extLst>
   </p:cSld>
@@ -1905,7 +1905,7 @@
           <p:cNvPr id="2" name="标题 1">
             <a:extLst>
               <a:ext uri="{FF2B5EF4-FFF2-40B4-BE49-F238E27FC236}">
-                <a16:creationId xmlns:a16="http://schemas.microsoft.com/office/drawing/2014/main" id="{4BC8C292-630D-1CA6-5B75-C23061C32006}"/>
+                <a16:creationId xmlns:a16="http://schemas.microsoft.com/office/drawing/2014/main" id="{B69877FA-97C8-B9CC-52CD-AACB28490089}"/>
               </a:ext>
             </a:extLst>
           </p:cNvPr>
@@ -1933,7 +1933,7 @@
           <p:cNvPr id="3" name="日期占位符 2">
             <a:extLst>
               <a:ext uri="{FF2B5EF4-FFF2-40B4-BE49-F238E27FC236}">
-                <a16:creationId xmlns:a16="http://schemas.microsoft.com/office/drawing/2014/main" id="{6BEF1B21-01E9-6F71-71A3-F8080C21EFCA}"/>
+                <a16:creationId xmlns:a16="http://schemas.microsoft.com/office/drawing/2014/main" id="{50873D2E-AFD5-4331-2E2E-5CBB48B04BD4}"/>
               </a:ext>
             </a:extLst>
           </p:cNvPr>
@@ -1949,7 +1949,7 @@
           <a:bodyPr/>
           <a:lstStyle/>
           <a:p>
-            <a:fld id="{EB346EEB-B8EC-48B5-882A-0082D6F49180}" type="datetimeFigureOut">
+            <a:fld id="{DE7B0ADA-5D3B-464E-AF7C-92DC44386DBB}" type="datetimeFigureOut">
               <a:rPr lang="zh-CN" altLang="en-US" smtClean="0"/>
               <a:t>2024/3/10</a:t>
             </a:fld>
@@ -1962,7 +1962,7 @@
           <p:cNvPr id="4" name="页脚占位符 3">
             <a:extLst>
               <a:ext uri="{FF2B5EF4-FFF2-40B4-BE49-F238E27FC236}">
-                <a16:creationId xmlns:a16="http://schemas.microsoft.com/office/drawing/2014/main" id="{2BB60430-9B6E-F14F-A071-25BB218CB9FD}"/>
+                <a16:creationId xmlns:a16="http://schemas.microsoft.com/office/drawing/2014/main" id="{73F3DE90-ADBE-710E-5675-74D2464609EC}"/>
               </a:ext>
             </a:extLst>
           </p:cNvPr>
@@ -1987,7 +1987,7 @@
           <p:cNvPr id="5" name="灯片编号占位符 4">
             <a:extLst>
               <a:ext uri="{FF2B5EF4-FFF2-40B4-BE49-F238E27FC236}">
-                <a16:creationId xmlns:a16="http://schemas.microsoft.com/office/drawing/2014/main" id="{3840D558-00EA-1D28-62C8-B1665D5588E8}"/>
+                <a16:creationId xmlns:a16="http://schemas.microsoft.com/office/drawing/2014/main" id="{45D239B0-A843-70B7-0CB4-3E173E833BBA}"/>
               </a:ext>
             </a:extLst>
           </p:cNvPr>
@@ -2003,7 +2003,7 @@
           <a:bodyPr/>
           <a:lstStyle/>
           <a:p>
-            <a:fld id="{2D471791-514B-4DA1-925B-97E1A6E474BB}" type="slidenum">
+            <a:fld id="{68AFAAD4-56FA-44F4-AB4A-D31901A947D1}" type="slidenum">
               <a:rPr lang="zh-CN" altLang="en-US" smtClean="0"/>
               <a:t>‹#›</a:t>
             </a:fld>
@@ -2014,7 +2014,7 @@
     </p:spTree>
     <p:extLst>
       <p:ext uri="{BB962C8B-B14F-4D97-AF65-F5344CB8AC3E}">
-        <p14:creationId xmlns:p14="http://schemas.microsoft.com/office/powerpoint/2010/main" val="2213099704"/>
+        <p14:creationId xmlns:p14="http://schemas.microsoft.com/office/powerpoint/2010/main" val="421976948"/>
       </p:ext>
     </p:extLst>
   </p:cSld>
@@ -2046,7 +2046,7 @@
           <p:cNvPr id="2" name="日期占位符 1">
             <a:extLst>
               <a:ext uri="{FF2B5EF4-FFF2-40B4-BE49-F238E27FC236}">
-                <a16:creationId xmlns:a16="http://schemas.microsoft.com/office/drawing/2014/main" id="{6F97D618-6BEC-271E-D27C-45D08C043F11}"/>
+                <a16:creationId xmlns:a16="http://schemas.microsoft.com/office/drawing/2014/main" id="{2B81B95A-113E-D644-331A-11A7248B8BAB}"/>
               </a:ext>
             </a:extLst>
           </p:cNvPr>
@@ -2062,7 +2062,7 @@
           <a:bodyPr/>
           <a:lstStyle/>
           <a:p>
-            <a:fld id="{EB346EEB-B8EC-48B5-882A-0082D6F49180}" type="datetimeFigureOut">
+            <a:fld id="{DE7B0ADA-5D3B-464E-AF7C-92DC44386DBB}" type="datetimeFigureOut">
               <a:rPr lang="zh-CN" altLang="en-US" smtClean="0"/>
               <a:t>2024/3/10</a:t>
             </a:fld>
@@ -2075,7 +2075,7 @@
           <p:cNvPr id="3" name="页脚占位符 2">
             <a:extLst>
               <a:ext uri="{FF2B5EF4-FFF2-40B4-BE49-F238E27FC236}">
-                <a16:creationId xmlns:a16="http://schemas.microsoft.com/office/drawing/2014/main" id="{F6A5B31A-06EB-293F-F531-A50D711E3226}"/>
+                <a16:creationId xmlns:a16="http://schemas.microsoft.com/office/drawing/2014/main" id="{569DB3C3-B578-6576-11AD-0AF8BEBBB95D}"/>
               </a:ext>
             </a:extLst>
           </p:cNvPr>
@@ -2100,7 +2100,7 @@
           <p:cNvPr id="4" name="灯片编号占位符 3">
             <a:extLst>
               <a:ext uri="{FF2B5EF4-FFF2-40B4-BE49-F238E27FC236}">
-                <a16:creationId xmlns:a16="http://schemas.microsoft.com/office/drawing/2014/main" id="{A9FEFA4A-129B-9520-9C1D-DC721E885770}"/>
+                <a16:creationId xmlns:a16="http://schemas.microsoft.com/office/drawing/2014/main" id="{71637268-E739-DF45-77CA-6455250A5ABD}"/>
               </a:ext>
             </a:extLst>
           </p:cNvPr>
@@ -2116,7 +2116,7 @@
           <a:bodyPr/>
           <a:lstStyle/>
           <a:p>
-            <a:fld id="{2D471791-514B-4DA1-925B-97E1A6E474BB}" type="slidenum">
+            <a:fld id="{68AFAAD4-56FA-44F4-AB4A-D31901A947D1}" type="slidenum">
               <a:rPr lang="zh-CN" altLang="en-US" smtClean="0"/>
               <a:t>‹#›</a:t>
             </a:fld>
@@ -2127,7 +2127,7 @@
     </p:spTree>
     <p:extLst>
       <p:ext uri="{BB962C8B-B14F-4D97-AF65-F5344CB8AC3E}">
-        <p14:creationId xmlns:p14="http://schemas.microsoft.com/office/powerpoint/2010/main" val="3681927512"/>
+        <p14:creationId xmlns:p14="http://schemas.microsoft.com/office/powerpoint/2010/main" val="3791549946"/>
       </p:ext>
     </p:extLst>
   </p:cSld>
@@ -2159,7 +2159,7 @@
           <p:cNvPr id="2" name="标题 1">
             <a:extLst>
               <a:ext uri="{FF2B5EF4-FFF2-40B4-BE49-F238E27FC236}">
-                <a16:creationId xmlns:a16="http://schemas.microsoft.com/office/drawing/2014/main" id="{D8583D00-9CEC-F3A2-AD3B-806A5FD46896}"/>
+                <a16:creationId xmlns:a16="http://schemas.microsoft.com/office/drawing/2014/main" id="{EF139174-7E76-DA2B-7554-4446A49C1317}"/>
               </a:ext>
             </a:extLst>
           </p:cNvPr>
@@ -2196,7 +2196,7 @@
           <p:cNvPr id="3" name="内容占位符 2">
             <a:extLst>
               <a:ext uri="{FF2B5EF4-FFF2-40B4-BE49-F238E27FC236}">
-                <a16:creationId xmlns:a16="http://schemas.microsoft.com/office/drawing/2014/main" id="{B93751FB-2353-F3AE-C5AD-A135FC57DE05}"/>
+                <a16:creationId xmlns:a16="http://schemas.microsoft.com/office/drawing/2014/main" id="{5155B501-C212-904D-5F7D-5CA99395F3E6}"/>
               </a:ext>
             </a:extLst>
           </p:cNvPr>
@@ -2286,7 +2286,7 @@
           <p:cNvPr id="4" name="文本占位符 3">
             <a:extLst>
               <a:ext uri="{FF2B5EF4-FFF2-40B4-BE49-F238E27FC236}">
-                <a16:creationId xmlns:a16="http://schemas.microsoft.com/office/drawing/2014/main" id="{6E76DDFC-F583-36FD-EF20-7E4311FFEA68}"/>
+                <a16:creationId xmlns:a16="http://schemas.microsoft.com/office/drawing/2014/main" id="{A2243B7F-C26C-08D7-9BFA-D6FB2BB96BA9}"/>
               </a:ext>
             </a:extLst>
           </p:cNvPr>
@@ -2357,7 +2357,7 @@
           <p:cNvPr id="5" name="日期占位符 4">
             <a:extLst>
               <a:ext uri="{FF2B5EF4-FFF2-40B4-BE49-F238E27FC236}">
-                <a16:creationId xmlns:a16="http://schemas.microsoft.com/office/drawing/2014/main" id="{C484962C-7982-E6AB-91CA-3A79E1771030}"/>
+                <a16:creationId xmlns:a16="http://schemas.microsoft.com/office/drawing/2014/main" id="{21FEB0B0-9995-D322-E662-E5D82BB9F230}"/>
               </a:ext>
             </a:extLst>
           </p:cNvPr>
@@ -2373,7 +2373,7 @@
           <a:bodyPr/>
           <a:lstStyle/>
           <a:p>
-            <a:fld id="{EB346EEB-B8EC-48B5-882A-0082D6F49180}" type="datetimeFigureOut">
+            <a:fld id="{DE7B0ADA-5D3B-464E-AF7C-92DC44386DBB}" type="datetimeFigureOut">
               <a:rPr lang="zh-CN" altLang="en-US" smtClean="0"/>
               <a:t>2024/3/10</a:t>
             </a:fld>
@@ -2386,7 +2386,7 @@
           <p:cNvPr id="6" name="页脚占位符 5">
             <a:extLst>
               <a:ext uri="{FF2B5EF4-FFF2-40B4-BE49-F238E27FC236}">
-                <a16:creationId xmlns:a16="http://schemas.microsoft.com/office/drawing/2014/main" id="{19F5FBE5-D270-2BB3-2FB8-3EB591DBD282}"/>
+                <a16:creationId xmlns:a16="http://schemas.microsoft.com/office/drawing/2014/main" id="{B2E4EDA0-71BE-1242-F587-6667CF81F9DF}"/>
               </a:ext>
             </a:extLst>
           </p:cNvPr>
@@ -2411,7 +2411,7 @@
           <p:cNvPr id="7" name="灯片编号占位符 6">
             <a:extLst>
               <a:ext uri="{FF2B5EF4-FFF2-40B4-BE49-F238E27FC236}">
-                <a16:creationId xmlns:a16="http://schemas.microsoft.com/office/drawing/2014/main" id="{CEC8A83C-7E78-E670-C3F9-3256F1F8CC60}"/>
+                <a16:creationId xmlns:a16="http://schemas.microsoft.com/office/drawing/2014/main" id="{B6C8437A-E430-062B-2271-E9A7591CB2F6}"/>
               </a:ext>
             </a:extLst>
           </p:cNvPr>
@@ -2427,7 +2427,7 @@
           <a:bodyPr/>
           <a:lstStyle/>
           <a:p>
-            <a:fld id="{2D471791-514B-4DA1-925B-97E1A6E474BB}" type="slidenum">
+            <a:fld id="{68AFAAD4-56FA-44F4-AB4A-D31901A947D1}" type="slidenum">
               <a:rPr lang="zh-CN" altLang="en-US" smtClean="0"/>
               <a:t>‹#›</a:t>
             </a:fld>
@@ -2438,7 +2438,7 @@
     </p:spTree>
     <p:extLst>
       <p:ext uri="{BB962C8B-B14F-4D97-AF65-F5344CB8AC3E}">
-        <p14:creationId xmlns:p14="http://schemas.microsoft.com/office/powerpoint/2010/main" val="2512669085"/>
+        <p14:creationId xmlns:p14="http://schemas.microsoft.com/office/powerpoint/2010/main" val="243175421"/>
       </p:ext>
     </p:extLst>
   </p:cSld>
@@ -2470,7 +2470,7 @@
           <p:cNvPr id="2" name="标题 1">
             <a:extLst>
               <a:ext uri="{FF2B5EF4-FFF2-40B4-BE49-F238E27FC236}">
-                <a16:creationId xmlns:a16="http://schemas.microsoft.com/office/drawing/2014/main" id="{ACFFC67D-E1BE-1E45-0A64-8750865E78CB}"/>
+                <a16:creationId xmlns:a16="http://schemas.microsoft.com/office/drawing/2014/main" id="{42E83FB0-F7AD-4473-2035-8F6DEFC9A442}"/>
               </a:ext>
             </a:extLst>
           </p:cNvPr>
@@ -2507,7 +2507,7 @@
           <p:cNvPr id="3" name="图片占位符 2">
             <a:extLst>
               <a:ext uri="{FF2B5EF4-FFF2-40B4-BE49-F238E27FC236}">
-                <a16:creationId xmlns:a16="http://schemas.microsoft.com/office/drawing/2014/main" id="{1CB1F0B6-3F93-CA09-209B-58F46FC417AB}"/>
+                <a16:creationId xmlns:a16="http://schemas.microsoft.com/office/drawing/2014/main" id="{6CC74DBD-FB6F-22CE-F1E4-346508CC15DD}"/>
               </a:ext>
             </a:extLst>
           </p:cNvPr>
@@ -2574,7 +2574,7 @@
           <p:cNvPr id="4" name="文本占位符 3">
             <a:extLst>
               <a:ext uri="{FF2B5EF4-FFF2-40B4-BE49-F238E27FC236}">
-                <a16:creationId xmlns:a16="http://schemas.microsoft.com/office/drawing/2014/main" id="{D78C763D-9602-E365-6958-6420628DA327}"/>
+                <a16:creationId xmlns:a16="http://schemas.microsoft.com/office/drawing/2014/main" id="{5BFF8A0D-9506-5E0E-D8FA-42BE194BDFA9}"/>
               </a:ext>
             </a:extLst>
           </p:cNvPr>
@@ -2645,7 +2645,7 @@
           <p:cNvPr id="5" name="日期占位符 4">
             <a:extLst>
               <a:ext uri="{FF2B5EF4-FFF2-40B4-BE49-F238E27FC236}">
-                <a16:creationId xmlns:a16="http://schemas.microsoft.com/office/drawing/2014/main" id="{02C12069-5BA2-06DD-39D2-9B2F4C124A13}"/>
+                <a16:creationId xmlns:a16="http://schemas.microsoft.com/office/drawing/2014/main" id="{5CF4C5B1-99E1-2C55-EFB9-2856A6406170}"/>
               </a:ext>
             </a:extLst>
           </p:cNvPr>
@@ -2661,7 +2661,7 @@
           <a:bodyPr/>
           <a:lstStyle/>
           <a:p>
-            <a:fld id="{EB346EEB-B8EC-48B5-882A-0082D6F49180}" type="datetimeFigureOut">
+            <a:fld id="{DE7B0ADA-5D3B-464E-AF7C-92DC44386DBB}" type="datetimeFigureOut">
               <a:rPr lang="zh-CN" altLang="en-US" smtClean="0"/>
               <a:t>2024/3/10</a:t>
             </a:fld>
@@ -2674,7 +2674,7 @@
           <p:cNvPr id="6" name="页脚占位符 5">
             <a:extLst>
               <a:ext uri="{FF2B5EF4-FFF2-40B4-BE49-F238E27FC236}">
-                <a16:creationId xmlns:a16="http://schemas.microsoft.com/office/drawing/2014/main" id="{F128D312-80A7-E48B-7B20-3305F01FA592}"/>
+                <a16:creationId xmlns:a16="http://schemas.microsoft.com/office/drawing/2014/main" id="{7132DC1C-3BEE-AEA5-6C83-5BC76873BB6F}"/>
               </a:ext>
             </a:extLst>
           </p:cNvPr>
@@ -2699,7 +2699,7 @@
           <p:cNvPr id="7" name="灯片编号占位符 6">
             <a:extLst>
               <a:ext uri="{FF2B5EF4-FFF2-40B4-BE49-F238E27FC236}">
-                <a16:creationId xmlns:a16="http://schemas.microsoft.com/office/drawing/2014/main" id="{47E3DDC9-0CFA-596B-BE5D-F472741B2E47}"/>
+                <a16:creationId xmlns:a16="http://schemas.microsoft.com/office/drawing/2014/main" id="{E9287DA5-ACB0-CCD7-A91E-82B55C475C53}"/>
               </a:ext>
             </a:extLst>
           </p:cNvPr>
@@ -2715,7 +2715,7 @@
           <a:bodyPr/>
           <a:lstStyle/>
           <a:p>
-            <a:fld id="{2D471791-514B-4DA1-925B-97E1A6E474BB}" type="slidenum">
+            <a:fld id="{68AFAAD4-56FA-44F4-AB4A-D31901A947D1}" type="slidenum">
               <a:rPr lang="zh-CN" altLang="en-US" smtClean="0"/>
               <a:t>‹#›</a:t>
             </a:fld>
@@ -2726,7 +2726,7 @@
     </p:spTree>
     <p:extLst>
       <p:ext uri="{BB962C8B-B14F-4D97-AF65-F5344CB8AC3E}">
-        <p14:creationId xmlns:p14="http://schemas.microsoft.com/office/powerpoint/2010/main" val="679739861"/>
+        <p14:creationId xmlns:p14="http://schemas.microsoft.com/office/powerpoint/2010/main" val="3563604101"/>
       </p:ext>
     </p:extLst>
   </p:cSld>
@@ -2763,7 +2763,7 @@
           <p:cNvPr id="2" name="标题占位符 1">
             <a:extLst>
               <a:ext uri="{FF2B5EF4-FFF2-40B4-BE49-F238E27FC236}">
-                <a16:creationId xmlns:a16="http://schemas.microsoft.com/office/drawing/2014/main" id="{49E27B6B-56DA-D665-E0D7-520E4AE6165B}"/>
+                <a16:creationId xmlns:a16="http://schemas.microsoft.com/office/drawing/2014/main" id="{AEBBFBF1-15A6-4FA7-571C-C3764C139B51}"/>
               </a:ext>
             </a:extLst>
           </p:cNvPr>
@@ -2801,7 +2801,7 @@
           <p:cNvPr id="3" name="文本占位符 2">
             <a:extLst>
               <a:ext uri="{FF2B5EF4-FFF2-40B4-BE49-F238E27FC236}">
-                <a16:creationId xmlns:a16="http://schemas.microsoft.com/office/drawing/2014/main" id="{B7E9D578-8C89-49DF-E9E8-AE5C2DE24089}"/>
+                <a16:creationId xmlns:a16="http://schemas.microsoft.com/office/drawing/2014/main" id="{393FD367-5E70-989D-C802-DE61E3B0EC07}"/>
               </a:ext>
             </a:extLst>
           </p:cNvPr>
@@ -2868,7 +2868,7 @@
           <p:cNvPr id="4" name="日期占位符 3">
             <a:extLst>
               <a:ext uri="{FF2B5EF4-FFF2-40B4-BE49-F238E27FC236}">
-                <a16:creationId xmlns:a16="http://schemas.microsoft.com/office/drawing/2014/main" id="{7DCFDABB-211B-0244-C229-16361A965955}"/>
+                <a16:creationId xmlns:a16="http://schemas.microsoft.com/office/drawing/2014/main" id="{8AB3ECD5-25F1-F8FF-A7E9-85A93F965AD9}"/>
               </a:ext>
             </a:extLst>
           </p:cNvPr>
@@ -2902,7 +2902,7 @@
             </a:lvl1pPr>
           </a:lstStyle>
           <a:p>
-            <a:fld id="{EB346EEB-B8EC-48B5-882A-0082D6F49180}" type="datetimeFigureOut">
+            <a:fld id="{DE7B0ADA-5D3B-464E-AF7C-92DC44386DBB}" type="datetimeFigureOut">
               <a:rPr lang="zh-CN" altLang="en-US" smtClean="0"/>
               <a:t>2024/3/10</a:t>
             </a:fld>
@@ -2915,7 +2915,7 @@
           <p:cNvPr id="5" name="页脚占位符 4">
             <a:extLst>
               <a:ext uri="{FF2B5EF4-FFF2-40B4-BE49-F238E27FC236}">
-                <a16:creationId xmlns:a16="http://schemas.microsoft.com/office/drawing/2014/main" id="{36750184-D3BE-C2CF-F199-8095D313C272}"/>
+                <a16:creationId xmlns:a16="http://schemas.microsoft.com/office/drawing/2014/main" id="{2BEDBDC1-D07A-835D-5E52-750E214C58F4}"/>
               </a:ext>
             </a:extLst>
           </p:cNvPr>
@@ -2958,7 +2958,7 @@
           <p:cNvPr id="6" name="灯片编号占位符 5">
             <a:extLst>
               <a:ext uri="{FF2B5EF4-FFF2-40B4-BE49-F238E27FC236}">
-                <a16:creationId xmlns:a16="http://schemas.microsoft.com/office/drawing/2014/main" id="{449C8E2F-BB07-2B0A-E505-D87CB1294808}"/>
+                <a16:creationId xmlns:a16="http://schemas.microsoft.com/office/drawing/2014/main" id="{3AA7D7C5-8FEA-328F-B00B-24B968228571}"/>
               </a:ext>
             </a:extLst>
           </p:cNvPr>
@@ -2992,7 +2992,7 @@
             </a:lvl1pPr>
           </a:lstStyle>
           <a:p>
-            <a:fld id="{2D471791-514B-4DA1-925B-97E1A6E474BB}" type="slidenum">
+            <a:fld id="{68AFAAD4-56FA-44F4-AB4A-D31901A947D1}" type="slidenum">
               <a:rPr lang="zh-CN" altLang="en-US" smtClean="0"/>
               <a:t>‹#›</a:t>
             </a:fld>
@@ -3003,7 +3003,7 @@
     </p:spTree>
     <p:extLst>
       <p:ext uri="{BB962C8B-B14F-4D97-AF65-F5344CB8AC3E}">
-        <p14:creationId xmlns:p14="http://schemas.microsoft.com/office/powerpoint/2010/main" val="3276257164"/>
+        <p14:creationId xmlns:p14="http://schemas.microsoft.com/office/powerpoint/2010/main" val="2608537963"/>
       </p:ext>
     </p:extLst>
   </p:cSld>
